--- a/assets/state_of_the_art.pptx
+++ b/assets/state_of_the_art.pptx
@@ -104,6 +104,11 @@
       </a:defRPr>
     </a:lvl9pPr>
   </p:defaultTextStyle>
+  <p:extLst>
+    <p:ext uri="{EFAFB233-063F-42B5-8137-9DF3F51BA10A}">
+      <p15:sldGuideLst xmlns:p15="http://schemas.microsoft.com/office/powerpoint/2012/main"/>
+    </p:ext>
+  </p:extLst>
 </p:presentation>
 </file>
 
@@ -4798,7 +4803,7 @@
           </p:cNvPr>
           <p:cNvCxnSpPr>
             <a:cxnSpLocks/>
-            <a:stCxn id="4" idx="0"/>
+            <a:stCxn id="4" idx="1"/>
             <a:endCxn id="5" idx="3"/>
           </p:cNvCxnSpPr>
           <p:nvPr/>
@@ -4806,7 +4811,7 @@
         <p:spPr>
           <a:xfrm flipH="1" flipV="1">
             <a:off x="2414663" y="2041659"/>
-            <a:ext cx="1508880" cy="201571"/>
+            <a:ext cx="686555" cy="601621"/>
           </a:xfrm>
           <a:prstGeom prst="straightConnector1">
             <a:avLst/>
